--- a/rxjs.pptx
+++ b/rxjs.pptx
@@ -7,6 +7,11 @@
   <p:sldIdLst>
     <p:sldId id="256" r:id="rId2"/>
     <p:sldId id="257" r:id="rId3"/>
+    <p:sldId id="258" r:id="rId4"/>
+    <p:sldId id="259" r:id="rId5"/>
+    <p:sldId id="260" r:id="rId6"/>
+    <p:sldId id="261" r:id="rId7"/>
+    <p:sldId id="262" r:id="rId8"/>
   </p:sldIdLst>
   <p:sldSz cx="12192000" cy="6858000"/>
   <p:notesSz cx="6858000" cy="9144000"/>
@@ -105,6 +110,11 @@
       </a:defRPr>
     </a:lvl9pPr>
   </p:defaultTextStyle>
+  <p:extLst>
+    <p:ext uri="{EFAFB233-063F-42B5-8137-9DF3F51BA10A}">
+      <p15:sldGuideLst xmlns:p15="http://schemas.microsoft.com/office/powerpoint/2012/main"/>
+    </p:ext>
+  </p:extLst>
 </p:presentation>
 </file>
 
@@ -239,7 +249,7 @@
           <a:p>
             <a:fld id="{7CA3032E-00E9-4729-A89B-323F05814971}" type="datetimeFigureOut">
               <a:rPr lang="zh-CN" altLang="en-US" smtClean="0"/>
-              <a:t>2018/8/16</a:t>
+              <a:t>2018/8/17</a:t>
             </a:fld>
             <a:endParaRPr lang="zh-CN" altLang="en-US"/>
           </a:p>
@@ -409,7 +419,7 @@
           <a:p>
             <a:fld id="{7CA3032E-00E9-4729-A89B-323F05814971}" type="datetimeFigureOut">
               <a:rPr lang="zh-CN" altLang="en-US" smtClean="0"/>
-              <a:t>2018/8/16</a:t>
+              <a:t>2018/8/17</a:t>
             </a:fld>
             <a:endParaRPr lang="zh-CN" altLang="en-US"/>
           </a:p>
@@ -589,7 +599,7 @@
           <a:p>
             <a:fld id="{7CA3032E-00E9-4729-A89B-323F05814971}" type="datetimeFigureOut">
               <a:rPr lang="zh-CN" altLang="en-US" smtClean="0"/>
-              <a:t>2018/8/16</a:t>
+              <a:t>2018/8/17</a:t>
             </a:fld>
             <a:endParaRPr lang="zh-CN" altLang="en-US"/>
           </a:p>
@@ -759,7 +769,7 @@
           <a:p>
             <a:fld id="{7CA3032E-00E9-4729-A89B-323F05814971}" type="datetimeFigureOut">
               <a:rPr lang="zh-CN" altLang="en-US" smtClean="0"/>
-              <a:t>2018/8/16</a:t>
+              <a:t>2018/8/17</a:t>
             </a:fld>
             <a:endParaRPr lang="zh-CN" altLang="en-US"/>
           </a:p>
@@ -1005,7 +1015,7 @@
           <a:p>
             <a:fld id="{7CA3032E-00E9-4729-A89B-323F05814971}" type="datetimeFigureOut">
               <a:rPr lang="zh-CN" altLang="en-US" smtClean="0"/>
-              <a:t>2018/8/16</a:t>
+              <a:t>2018/8/17</a:t>
             </a:fld>
             <a:endParaRPr lang="zh-CN" altLang="en-US"/>
           </a:p>
@@ -1237,7 +1247,7 @@
           <a:p>
             <a:fld id="{7CA3032E-00E9-4729-A89B-323F05814971}" type="datetimeFigureOut">
               <a:rPr lang="zh-CN" altLang="en-US" smtClean="0"/>
-              <a:t>2018/8/16</a:t>
+              <a:t>2018/8/17</a:t>
             </a:fld>
             <a:endParaRPr lang="zh-CN" altLang="en-US"/>
           </a:p>
@@ -1604,7 +1614,7 @@
           <a:p>
             <a:fld id="{7CA3032E-00E9-4729-A89B-323F05814971}" type="datetimeFigureOut">
               <a:rPr lang="zh-CN" altLang="en-US" smtClean="0"/>
-              <a:t>2018/8/16</a:t>
+              <a:t>2018/8/17</a:t>
             </a:fld>
             <a:endParaRPr lang="zh-CN" altLang="en-US"/>
           </a:p>
@@ -1722,7 +1732,7 @@
           <a:p>
             <a:fld id="{7CA3032E-00E9-4729-A89B-323F05814971}" type="datetimeFigureOut">
               <a:rPr lang="zh-CN" altLang="en-US" smtClean="0"/>
-              <a:t>2018/8/16</a:t>
+              <a:t>2018/8/17</a:t>
             </a:fld>
             <a:endParaRPr lang="zh-CN" altLang="en-US"/>
           </a:p>
@@ -1817,7 +1827,7 @@
           <a:p>
             <a:fld id="{7CA3032E-00E9-4729-A89B-323F05814971}" type="datetimeFigureOut">
               <a:rPr lang="zh-CN" altLang="en-US" smtClean="0"/>
-              <a:t>2018/8/16</a:t>
+              <a:t>2018/8/17</a:t>
             </a:fld>
             <a:endParaRPr lang="zh-CN" altLang="en-US"/>
           </a:p>
@@ -2094,7 +2104,7 @@
           <a:p>
             <a:fld id="{7CA3032E-00E9-4729-A89B-323F05814971}" type="datetimeFigureOut">
               <a:rPr lang="zh-CN" altLang="en-US" smtClean="0"/>
-              <a:t>2018/8/16</a:t>
+              <a:t>2018/8/17</a:t>
             </a:fld>
             <a:endParaRPr lang="zh-CN" altLang="en-US"/>
           </a:p>
@@ -2347,7 +2357,7 @@
           <a:p>
             <a:fld id="{7CA3032E-00E9-4729-A89B-323F05814971}" type="datetimeFigureOut">
               <a:rPr lang="zh-CN" altLang="en-US" smtClean="0"/>
-              <a:t>2018/8/16</a:t>
+              <a:t>2018/8/17</a:t>
             </a:fld>
             <a:endParaRPr lang="zh-CN" altLang="en-US"/>
           </a:p>
@@ -2560,7 +2570,7 @@
           <a:p>
             <a:fld id="{7CA3032E-00E9-4729-A89B-323F05814971}" type="datetimeFigureOut">
               <a:rPr lang="zh-CN" altLang="en-US" smtClean="0"/>
-              <a:t>2018/8/16</a:t>
+              <a:t>2018/8/17</a:t>
             </a:fld>
             <a:endParaRPr lang="zh-CN" altLang="en-US"/>
           </a:p>
@@ -3085,6 +3095,276 @@
 </p:sld>
 </file>
 
+<file path=ppt/slides/slide3.xml><?xml version="1.0" encoding="utf-8"?>
+<p:sld xmlns:a="http://schemas.openxmlformats.org/drawingml/2006/main" xmlns:r="http://schemas.openxmlformats.org/officeDocument/2006/relationships" xmlns:p="http://schemas.openxmlformats.org/presentationml/2006/main">
+  <p:cSld>
+    <p:spTree>
+      <p:nvGrpSpPr>
+        <p:cNvPr id="1" name=""/>
+        <p:cNvGrpSpPr/>
+        <p:nvPr/>
+      </p:nvGrpSpPr>
+      <p:grpSpPr>
+        <a:xfrm>
+          <a:off x="0" y="0"/>
+          <a:ext cx="0" cy="0"/>
+          <a:chOff x="0" y="0"/>
+          <a:chExt cx="0" cy="0"/>
+        </a:xfrm>
+      </p:grpSpPr>
+      <p:pic>
+        <p:nvPicPr>
+          <p:cNvPr id="4" name="图片 3"/>
+          <p:cNvPicPr>
+            <a:picLocks noChangeAspect="1"/>
+          </p:cNvPicPr>
+          <p:nvPr/>
+        </p:nvPicPr>
+        <p:blipFill>
+          <a:blip r:embed="rId2"/>
+          <a:stretch>
+            <a:fillRect/>
+          </a:stretch>
+        </p:blipFill>
+        <p:spPr>
+          <a:xfrm>
+            <a:off x="925075" y="709685"/>
+            <a:ext cx="10239644" cy="5637748"/>
+          </a:xfrm>
+          <a:prstGeom prst="rect">
+            <a:avLst/>
+          </a:prstGeom>
+        </p:spPr>
+      </p:pic>
+    </p:spTree>
+    <p:extLst>
+      <p:ext uri="{BB962C8B-B14F-4D97-AF65-F5344CB8AC3E}">
+        <p14:creationId xmlns:p14="http://schemas.microsoft.com/office/powerpoint/2010/main" val="554009913"/>
+      </p:ext>
+    </p:extLst>
+  </p:cSld>
+  <p:clrMapOvr>
+    <a:masterClrMapping/>
+  </p:clrMapOvr>
+</p:sld>
+</file>
+
+<file path=ppt/slides/slide4.xml><?xml version="1.0" encoding="utf-8"?>
+<p:sld xmlns:a="http://schemas.openxmlformats.org/drawingml/2006/main" xmlns:r="http://schemas.openxmlformats.org/officeDocument/2006/relationships" xmlns:p="http://schemas.openxmlformats.org/presentationml/2006/main">
+  <p:cSld>
+    <p:spTree>
+      <p:nvGrpSpPr>
+        <p:cNvPr id="1" name=""/>
+        <p:cNvGrpSpPr/>
+        <p:nvPr/>
+      </p:nvGrpSpPr>
+      <p:grpSpPr>
+        <a:xfrm>
+          <a:off x="0" y="0"/>
+          <a:ext cx="0" cy="0"/>
+          <a:chOff x="0" y="0"/>
+          <a:chExt cx="0" cy="0"/>
+        </a:xfrm>
+      </p:grpSpPr>
+      <p:pic>
+        <p:nvPicPr>
+          <p:cNvPr id="2" name="图片 1"/>
+          <p:cNvPicPr>
+            <a:picLocks noChangeAspect="1"/>
+          </p:cNvPicPr>
+          <p:nvPr/>
+        </p:nvPicPr>
+        <p:blipFill>
+          <a:blip r:embed="rId2"/>
+          <a:stretch>
+            <a:fillRect/>
+          </a:stretch>
+        </p:blipFill>
+        <p:spPr>
+          <a:xfrm>
+            <a:off x="573205" y="190543"/>
+            <a:ext cx="10756380" cy="5596107"/>
+          </a:xfrm>
+          <a:prstGeom prst="rect">
+            <a:avLst/>
+          </a:prstGeom>
+        </p:spPr>
+      </p:pic>
+    </p:spTree>
+    <p:extLst>
+      <p:ext uri="{BB962C8B-B14F-4D97-AF65-F5344CB8AC3E}">
+        <p14:creationId xmlns:p14="http://schemas.microsoft.com/office/powerpoint/2010/main" val="1427403465"/>
+      </p:ext>
+    </p:extLst>
+  </p:cSld>
+  <p:clrMapOvr>
+    <a:masterClrMapping/>
+  </p:clrMapOvr>
+</p:sld>
+</file>
+
+<file path=ppt/slides/slide5.xml><?xml version="1.0" encoding="utf-8"?>
+<p:sld xmlns:a="http://schemas.openxmlformats.org/drawingml/2006/main" xmlns:r="http://schemas.openxmlformats.org/officeDocument/2006/relationships" xmlns:p="http://schemas.openxmlformats.org/presentationml/2006/main">
+  <p:cSld>
+    <p:spTree>
+      <p:nvGrpSpPr>
+        <p:cNvPr id="1" name=""/>
+        <p:cNvGrpSpPr/>
+        <p:nvPr/>
+      </p:nvGrpSpPr>
+      <p:grpSpPr>
+        <a:xfrm>
+          <a:off x="0" y="0"/>
+          <a:ext cx="0" cy="0"/>
+          <a:chOff x="0" y="0"/>
+          <a:chExt cx="0" cy="0"/>
+        </a:xfrm>
+      </p:grpSpPr>
+      <p:pic>
+        <p:nvPicPr>
+          <p:cNvPr id="3" name="图片 2"/>
+          <p:cNvPicPr>
+            <a:picLocks noChangeAspect="1"/>
+          </p:cNvPicPr>
+          <p:nvPr/>
+        </p:nvPicPr>
+        <p:blipFill>
+          <a:blip r:embed="rId2"/>
+          <a:stretch>
+            <a:fillRect/>
+          </a:stretch>
+        </p:blipFill>
+        <p:spPr>
+          <a:xfrm>
+            <a:off x="1473958" y="934079"/>
+            <a:ext cx="8812882" cy="4653202"/>
+          </a:xfrm>
+          <a:prstGeom prst="rect">
+            <a:avLst/>
+          </a:prstGeom>
+        </p:spPr>
+      </p:pic>
+    </p:spTree>
+    <p:extLst>
+      <p:ext uri="{BB962C8B-B14F-4D97-AF65-F5344CB8AC3E}">
+        <p14:creationId xmlns:p14="http://schemas.microsoft.com/office/powerpoint/2010/main" val="783010503"/>
+      </p:ext>
+    </p:extLst>
+  </p:cSld>
+  <p:clrMapOvr>
+    <a:masterClrMapping/>
+  </p:clrMapOvr>
+</p:sld>
+</file>
+
+<file path=ppt/slides/slide6.xml><?xml version="1.0" encoding="utf-8"?>
+<p:sld xmlns:a="http://schemas.openxmlformats.org/drawingml/2006/main" xmlns:r="http://schemas.openxmlformats.org/officeDocument/2006/relationships" xmlns:p="http://schemas.openxmlformats.org/presentationml/2006/main">
+  <p:cSld>
+    <p:spTree>
+      <p:nvGrpSpPr>
+        <p:cNvPr id="1" name=""/>
+        <p:cNvGrpSpPr/>
+        <p:nvPr/>
+      </p:nvGrpSpPr>
+      <p:grpSpPr>
+        <a:xfrm>
+          <a:off x="0" y="0"/>
+          <a:ext cx="0" cy="0"/>
+          <a:chOff x="0" y="0"/>
+          <a:chExt cx="0" cy="0"/>
+        </a:xfrm>
+      </p:grpSpPr>
+      <p:pic>
+        <p:nvPicPr>
+          <p:cNvPr id="2" name="图片 1"/>
+          <p:cNvPicPr>
+            <a:picLocks noChangeAspect="1"/>
+          </p:cNvPicPr>
+          <p:nvPr/>
+        </p:nvPicPr>
+        <p:blipFill>
+          <a:blip r:embed="rId2"/>
+          <a:stretch>
+            <a:fillRect/>
+          </a:stretch>
+        </p:blipFill>
+        <p:spPr>
+          <a:xfrm>
+            <a:off x="1555845" y="486283"/>
+            <a:ext cx="9349565" cy="5054657"/>
+          </a:xfrm>
+          <a:prstGeom prst="rect">
+            <a:avLst/>
+          </a:prstGeom>
+        </p:spPr>
+      </p:pic>
+    </p:spTree>
+    <p:extLst>
+      <p:ext uri="{BB962C8B-B14F-4D97-AF65-F5344CB8AC3E}">
+        <p14:creationId xmlns:p14="http://schemas.microsoft.com/office/powerpoint/2010/main" val="4289779423"/>
+      </p:ext>
+    </p:extLst>
+  </p:cSld>
+  <p:clrMapOvr>
+    <a:masterClrMapping/>
+  </p:clrMapOvr>
+</p:sld>
+</file>
+
+<file path=ppt/slides/slide7.xml><?xml version="1.0" encoding="utf-8"?>
+<p:sld xmlns:a="http://schemas.openxmlformats.org/drawingml/2006/main" xmlns:r="http://schemas.openxmlformats.org/officeDocument/2006/relationships" xmlns:p="http://schemas.openxmlformats.org/presentationml/2006/main">
+  <p:cSld>
+    <p:spTree>
+      <p:nvGrpSpPr>
+        <p:cNvPr id="1" name=""/>
+        <p:cNvGrpSpPr/>
+        <p:nvPr/>
+      </p:nvGrpSpPr>
+      <p:grpSpPr>
+        <a:xfrm>
+          <a:off x="0" y="0"/>
+          <a:ext cx="0" cy="0"/>
+          <a:chOff x="0" y="0"/>
+          <a:chExt cx="0" cy="0"/>
+        </a:xfrm>
+      </p:grpSpPr>
+      <p:pic>
+        <p:nvPicPr>
+          <p:cNvPr id="3" name="图片 2"/>
+          <p:cNvPicPr>
+            <a:picLocks noChangeAspect="1"/>
+          </p:cNvPicPr>
+          <p:nvPr/>
+        </p:nvPicPr>
+        <p:blipFill>
+          <a:blip r:embed="rId2"/>
+          <a:stretch>
+            <a:fillRect/>
+          </a:stretch>
+        </p:blipFill>
+        <p:spPr>
+          <a:xfrm>
+            <a:off x="1218395" y="640368"/>
+            <a:ext cx="9235790" cy="5640429"/>
+          </a:xfrm>
+          <a:prstGeom prst="rect">
+            <a:avLst/>
+          </a:prstGeom>
+        </p:spPr>
+      </p:pic>
+    </p:spTree>
+    <p:extLst>
+      <p:ext uri="{BB962C8B-B14F-4D97-AF65-F5344CB8AC3E}">
+        <p14:creationId xmlns:p14="http://schemas.microsoft.com/office/powerpoint/2010/main" val="4233596606"/>
+      </p:ext>
+    </p:extLst>
+  </p:cSld>
+  <p:clrMapOvr>
+    <a:masterClrMapping/>
+  </p:clrMapOvr>
+</p:sld>
+</file>
+
 <file path=ppt/theme/theme1.xml><?xml version="1.0" encoding="utf-8"?>
 <a:theme xmlns:a="http://schemas.openxmlformats.org/drawingml/2006/main" name="Office 主题">
   <a:themeElements>

--- a/rxjs.pptx
+++ b/rxjs.pptx
@@ -12,6 +12,10 @@
     <p:sldId id="260" r:id="rId6"/>
     <p:sldId id="261" r:id="rId7"/>
     <p:sldId id="262" r:id="rId8"/>
+    <p:sldId id="263" r:id="rId9"/>
+    <p:sldId id="264" r:id="rId10"/>
+    <p:sldId id="265" r:id="rId11"/>
+    <p:sldId id="266" r:id="rId12"/>
   </p:sldIdLst>
   <p:sldSz cx="12192000" cy="6858000"/>
   <p:notesSz cx="6858000" cy="9144000"/>
@@ -2991,8 +2995,91 @@
         </p:blipFill>
         <p:spPr>
           <a:xfrm>
-            <a:off x="1610436" y="953248"/>
-            <a:ext cx="9394336" cy="5007286"/>
+            <a:off x="1942010" y="1159220"/>
+            <a:ext cx="7913229" cy="4217839"/>
+          </a:xfrm>
+          <a:prstGeom prst="rect">
+            <a:avLst/>
+          </a:prstGeom>
+        </p:spPr>
+      </p:pic>
+      <p:sp>
+        <p:nvSpPr>
+          <p:cNvPr id="3" name="矩形 2"/>
+          <p:cNvSpPr/>
+          <p:nvPr/>
+        </p:nvSpPr>
+        <p:spPr>
+          <a:xfrm>
+            <a:off x="2728395" y="4561265"/>
+            <a:ext cx="2302938" cy="369332"/>
+          </a:xfrm>
+          <a:prstGeom prst="rect">
+            <a:avLst/>
+          </a:prstGeom>
+        </p:spPr>
+        <p:txBody>
+          <a:bodyPr wrap="none">
+            <a:spAutoFit/>
+          </a:bodyPr>
+          <a:lstStyle/>
+          <a:p>
+            <a:r>
+              <a:rPr lang="zh-CN" altLang="en-US" dirty="0" smtClean="0"/>
+              <a:t>http://rxmarbles.com/</a:t>
+            </a:r>
+            <a:endParaRPr lang="zh-CN" altLang="en-US" dirty="0"/>
+          </a:p>
+        </p:txBody>
+      </p:sp>
+    </p:spTree>
+    <p:extLst>
+      <p:ext uri="{BB962C8B-B14F-4D97-AF65-F5344CB8AC3E}">
+        <p14:creationId xmlns:p14="http://schemas.microsoft.com/office/powerpoint/2010/main" val="2089426935"/>
+      </p:ext>
+    </p:extLst>
+  </p:cSld>
+  <p:clrMapOvr>
+    <a:masterClrMapping/>
+  </p:clrMapOvr>
+</p:sld>
+</file>
+
+<file path=ppt/slides/slide10.xml><?xml version="1.0" encoding="utf-8"?>
+<p:sld xmlns:a="http://schemas.openxmlformats.org/drawingml/2006/main" xmlns:r="http://schemas.openxmlformats.org/officeDocument/2006/relationships" xmlns:p="http://schemas.openxmlformats.org/presentationml/2006/main">
+  <p:cSld>
+    <p:spTree>
+      <p:nvGrpSpPr>
+        <p:cNvPr id="1" name=""/>
+        <p:cNvGrpSpPr/>
+        <p:nvPr/>
+      </p:nvGrpSpPr>
+      <p:grpSpPr>
+        <a:xfrm>
+          <a:off x="0" y="0"/>
+          <a:ext cx="0" cy="0"/>
+          <a:chOff x="0" y="0"/>
+          <a:chExt cx="0" cy="0"/>
+        </a:xfrm>
+      </p:grpSpPr>
+      <p:pic>
+        <p:nvPicPr>
+          <p:cNvPr id="2" name="图片 1"/>
+          <p:cNvPicPr>
+            <a:picLocks noChangeAspect="1"/>
+          </p:cNvPicPr>
+          <p:nvPr/>
+        </p:nvPicPr>
+        <p:blipFill>
+          <a:blip r:embed="rId2"/>
+          <a:stretch>
+            <a:fillRect/>
+          </a:stretch>
+        </p:blipFill>
+        <p:spPr>
+          <a:xfrm>
+            <a:off x="1704186" y="1227909"/>
+            <a:ext cx="8194686" cy="3901222"/>
           </a:xfrm>
           <a:prstGeom prst="rect">
             <a:avLst/>
@@ -3002,7 +3089,61 @@
     </p:spTree>
     <p:extLst>
       <p:ext uri="{BB962C8B-B14F-4D97-AF65-F5344CB8AC3E}">
-        <p14:creationId xmlns:p14="http://schemas.microsoft.com/office/powerpoint/2010/main" val="2089426935"/>
+        <p14:creationId xmlns:p14="http://schemas.microsoft.com/office/powerpoint/2010/main" val="2295552666"/>
+      </p:ext>
+    </p:extLst>
+  </p:cSld>
+  <p:clrMapOvr>
+    <a:masterClrMapping/>
+  </p:clrMapOvr>
+</p:sld>
+</file>
+
+<file path=ppt/slides/slide11.xml><?xml version="1.0" encoding="utf-8"?>
+<p:sld xmlns:a="http://schemas.openxmlformats.org/drawingml/2006/main" xmlns:r="http://schemas.openxmlformats.org/officeDocument/2006/relationships" xmlns:p="http://schemas.openxmlformats.org/presentationml/2006/main">
+  <p:cSld>
+    <p:spTree>
+      <p:nvGrpSpPr>
+        <p:cNvPr id="1" name=""/>
+        <p:cNvGrpSpPr/>
+        <p:nvPr/>
+      </p:nvGrpSpPr>
+      <p:grpSpPr>
+        <a:xfrm>
+          <a:off x="0" y="0"/>
+          <a:ext cx="0" cy="0"/>
+          <a:chOff x="0" y="0"/>
+          <a:chExt cx="0" cy="0"/>
+        </a:xfrm>
+      </p:grpSpPr>
+      <p:pic>
+        <p:nvPicPr>
+          <p:cNvPr id="3" name="图片 2"/>
+          <p:cNvPicPr>
+            <a:picLocks noChangeAspect="1"/>
+          </p:cNvPicPr>
+          <p:nvPr/>
+        </p:nvPicPr>
+        <p:blipFill>
+          <a:blip r:embed="rId2"/>
+          <a:stretch>
+            <a:fillRect/>
+          </a:stretch>
+        </p:blipFill>
+        <p:spPr>
+          <a:xfrm>
+            <a:off x="2116183" y="1230803"/>
+            <a:ext cx="7617912" cy="4257656"/>
+          </a:xfrm>
+          <a:prstGeom prst="rect">
+            <a:avLst/>
+          </a:prstGeom>
+        </p:spPr>
+      </p:pic>
+    </p:spTree>
+    <p:extLst>
+      <p:ext uri="{BB962C8B-B14F-4D97-AF65-F5344CB8AC3E}">
+        <p14:creationId xmlns:p14="http://schemas.microsoft.com/office/powerpoint/2010/main" val="88635666"/>
       </p:ext>
     </p:extLst>
   </p:cSld>
@@ -3045,43 +3186,14 @@
         </p:blipFill>
         <p:spPr>
           <a:xfrm>
-            <a:off x="1433015" y="763955"/>
-            <a:ext cx="9333070" cy="4903299"/>
+            <a:off x="1901081" y="1055696"/>
+            <a:ext cx="8379936" cy="4402553"/>
           </a:xfrm>
           <a:prstGeom prst="rect">
             <a:avLst/>
           </a:prstGeom>
         </p:spPr>
       </p:pic>
-      <p:sp>
-        <p:nvSpPr>
-          <p:cNvPr id="3" name="矩形 2"/>
-          <p:cNvSpPr/>
-          <p:nvPr/>
-        </p:nvSpPr>
-        <p:spPr>
-          <a:xfrm>
-            <a:off x="1901081" y="5667254"/>
-            <a:ext cx="2302938" cy="369332"/>
-          </a:xfrm>
-          <a:prstGeom prst="rect">
-            <a:avLst/>
-          </a:prstGeom>
-        </p:spPr>
-        <p:txBody>
-          <a:bodyPr wrap="none">
-            <a:spAutoFit/>
-          </a:bodyPr>
-          <a:lstStyle/>
-          <a:p>
-            <a:r>
-              <a:rPr lang="zh-CN" altLang="en-US" dirty="0" smtClean="0"/>
-              <a:t>http://rxmarbles.com/</a:t>
-            </a:r>
-            <a:endParaRPr lang="zh-CN" altLang="en-US" dirty="0"/>
-          </a:p>
-        </p:txBody>
-      </p:sp>
     </p:spTree>
     <p:extLst>
       <p:ext uri="{BB962C8B-B14F-4D97-AF65-F5344CB8AC3E}">
@@ -3128,8 +3240,8 @@
         </p:blipFill>
         <p:spPr>
           <a:xfrm>
-            <a:off x="925075" y="709685"/>
-            <a:ext cx="10239644" cy="5637748"/>
+            <a:off x="1689463" y="1035642"/>
+            <a:ext cx="8682776" cy="4780567"/>
           </a:xfrm>
           <a:prstGeom prst="rect">
             <a:avLst/>
@@ -3182,8 +3294,8 @@
         </p:blipFill>
         <p:spPr>
           <a:xfrm>
-            <a:off x="573205" y="190543"/>
-            <a:ext cx="10756380" cy="5596107"/>
+            <a:off x="2011679" y="1106672"/>
+            <a:ext cx="8560259" cy="4453555"/>
           </a:xfrm>
           <a:prstGeom prst="rect">
             <a:avLst/>
@@ -3356,6 +3468,114 @@
     <p:extLst>
       <p:ext uri="{BB962C8B-B14F-4D97-AF65-F5344CB8AC3E}">
         <p14:creationId xmlns:p14="http://schemas.microsoft.com/office/powerpoint/2010/main" val="4233596606"/>
+      </p:ext>
+    </p:extLst>
+  </p:cSld>
+  <p:clrMapOvr>
+    <a:masterClrMapping/>
+  </p:clrMapOvr>
+</p:sld>
+</file>
+
+<file path=ppt/slides/slide8.xml><?xml version="1.0" encoding="utf-8"?>
+<p:sld xmlns:a="http://schemas.openxmlformats.org/drawingml/2006/main" xmlns:r="http://schemas.openxmlformats.org/officeDocument/2006/relationships" xmlns:p="http://schemas.openxmlformats.org/presentationml/2006/main">
+  <p:cSld>
+    <p:spTree>
+      <p:nvGrpSpPr>
+        <p:cNvPr id="1" name=""/>
+        <p:cNvGrpSpPr/>
+        <p:nvPr/>
+      </p:nvGrpSpPr>
+      <p:grpSpPr>
+        <a:xfrm>
+          <a:off x="0" y="0"/>
+          <a:ext cx="0" cy="0"/>
+          <a:chOff x="0" y="0"/>
+          <a:chExt cx="0" cy="0"/>
+        </a:xfrm>
+      </p:grpSpPr>
+      <p:pic>
+        <p:nvPicPr>
+          <p:cNvPr id="2" name="图片 1"/>
+          <p:cNvPicPr>
+            <a:picLocks noChangeAspect="1"/>
+          </p:cNvPicPr>
+          <p:nvPr/>
+        </p:nvPicPr>
+        <p:blipFill>
+          <a:blip r:embed="rId2"/>
+          <a:stretch>
+            <a:fillRect/>
+          </a:stretch>
+        </p:blipFill>
+        <p:spPr>
+          <a:xfrm>
+            <a:off x="2419123" y="1334151"/>
+            <a:ext cx="7266667" cy="3876190"/>
+          </a:xfrm>
+          <a:prstGeom prst="rect">
+            <a:avLst/>
+          </a:prstGeom>
+        </p:spPr>
+      </p:pic>
+    </p:spTree>
+    <p:extLst>
+      <p:ext uri="{BB962C8B-B14F-4D97-AF65-F5344CB8AC3E}">
+        <p14:creationId xmlns:p14="http://schemas.microsoft.com/office/powerpoint/2010/main" val="3521234787"/>
+      </p:ext>
+    </p:extLst>
+  </p:cSld>
+  <p:clrMapOvr>
+    <a:masterClrMapping/>
+  </p:clrMapOvr>
+</p:sld>
+</file>
+
+<file path=ppt/slides/slide9.xml><?xml version="1.0" encoding="utf-8"?>
+<p:sld xmlns:a="http://schemas.openxmlformats.org/drawingml/2006/main" xmlns:r="http://schemas.openxmlformats.org/officeDocument/2006/relationships" xmlns:p="http://schemas.openxmlformats.org/presentationml/2006/main">
+  <p:cSld>
+    <p:spTree>
+      <p:nvGrpSpPr>
+        <p:cNvPr id="1" name=""/>
+        <p:cNvGrpSpPr/>
+        <p:nvPr/>
+      </p:nvGrpSpPr>
+      <p:grpSpPr>
+        <a:xfrm>
+          <a:off x="0" y="0"/>
+          <a:ext cx="0" cy="0"/>
+          <a:chOff x="0" y="0"/>
+          <a:chExt cx="0" cy="0"/>
+        </a:xfrm>
+      </p:grpSpPr>
+      <p:pic>
+        <p:nvPicPr>
+          <p:cNvPr id="3" name="图片 2"/>
+          <p:cNvPicPr>
+            <a:picLocks noChangeAspect="1"/>
+          </p:cNvPicPr>
+          <p:nvPr/>
+        </p:nvPicPr>
+        <p:blipFill>
+          <a:blip r:embed="rId2"/>
+          <a:stretch>
+            <a:fillRect/>
+          </a:stretch>
+        </p:blipFill>
+        <p:spPr>
+          <a:xfrm>
+            <a:off x="2219512" y="1491849"/>
+            <a:ext cx="7352381" cy="3752381"/>
+          </a:xfrm>
+          <a:prstGeom prst="rect">
+            <a:avLst/>
+          </a:prstGeom>
+        </p:spPr>
+      </p:pic>
+    </p:spTree>
+    <p:extLst>
+      <p:ext uri="{BB962C8B-B14F-4D97-AF65-F5344CB8AC3E}">
+        <p14:creationId xmlns:p14="http://schemas.microsoft.com/office/powerpoint/2010/main" val="969982824"/>
       </p:ext>
     </p:extLst>
   </p:cSld>
